--- a/Module07-Design/Aula03/modificando-site-nasa.pptx
+++ b/Module07-Design/Aula03/modificando-site-nasa.pptx
@@ -4,12 +4,16 @@
   <p:sldMasterIdLst>
     <p:sldMasterId id="2147483660" r:id="rId1"/>
   </p:sldMasterIdLst>
+  <p:notesMasterIdLst>
+    <p:notesMasterId r:id="rId8"/>
+  </p:notesMasterIdLst>
   <p:sldIdLst>
     <p:sldId id="256" r:id="rId2"/>
     <p:sldId id="257" r:id="rId3"/>
     <p:sldId id="258" r:id="rId4"/>
     <p:sldId id="259" r:id="rId5"/>
     <p:sldId id="260" r:id="rId6"/>
+    <p:sldId id="261" r:id="rId7"/>
   </p:sldIdLst>
   <p:sldSz cx="12192000" cy="6858000"/>
   <p:notesSz cx="6858000" cy="9144000"/>
@@ -108,7 +112,529 @@
       </a:defRPr>
     </a:lvl9pPr>
   </p:defaultTextStyle>
+  <p:extLst>
+    <p:ext uri="{EFAFB233-063F-42B5-8137-9DF3F51BA10A}">
+      <p15:sldGuideLst xmlns:p15="http://schemas.microsoft.com/office/powerpoint/2012/main"/>
+    </p:ext>
+  </p:extLst>
 </p:presentation>
+</file>
+
+<file path=ppt/notesMasters/notesMaster1.xml><?xml version="1.0" encoding="utf-8"?>
+<p:notesMaster xmlns:a="http://schemas.openxmlformats.org/drawingml/2006/main" xmlns:r="http://schemas.openxmlformats.org/officeDocument/2006/relationships" xmlns:p="http://schemas.openxmlformats.org/presentationml/2006/main">
+  <p:cSld>
+    <p:bg>
+      <p:bgRef idx="1001">
+        <a:schemeClr val="bg1"/>
+      </p:bgRef>
+    </p:bg>
+    <p:spTree>
+      <p:nvGrpSpPr>
+        <p:cNvPr id="1" name=""/>
+        <p:cNvGrpSpPr/>
+        <p:nvPr/>
+      </p:nvGrpSpPr>
+      <p:grpSpPr>
+        <a:xfrm>
+          <a:off x="0" y="0"/>
+          <a:ext cx="0" cy="0"/>
+          <a:chOff x="0" y="0"/>
+          <a:chExt cx="0" cy="0"/>
+        </a:xfrm>
+      </p:grpSpPr>
+      <p:sp>
+        <p:nvSpPr>
+          <p:cNvPr id="2" name="Espaço Reservado para Cabeçalho 1"/>
+          <p:cNvSpPr>
+            <a:spLocks noGrp="1"/>
+          </p:cNvSpPr>
+          <p:nvPr>
+            <p:ph type="hdr" sz="quarter"/>
+          </p:nvPr>
+        </p:nvSpPr>
+        <p:spPr>
+          <a:xfrm>
+            <a:off x="0" y="0"/>
+            <a:ext cx="2971800" cy="458788"/>
+          </a:xfrm>
+          <a:prstGeom prst="rect">
+            <a:avLst/>
+          </a:prstGeom>
+        </p:spPr>
+        <p:txBody>
+          <a:bodyPr vert="horz" lIns="91440" tIns="45720" rIns="91440" bIns="45720" rtlCol="0"/>
+          <a:lstStyle>
+            <a:lvl1pPr algn="l">
+              <a:defRPr sz="1200"/>
+            </a:lvl1pPr>
+          </a:lstStyle>
+          <a:p>
+            <a:endParaRPr lang="pt-BR"/>
+          </a:p>
+        </p:txBody>
+      </p:sp>
+      <p:sp>
+        <p:nvSpPr>
+          <p:cNvPr id="3" name="Espaço Reservado para Data 2"/>
+          <p:cNvSpPr>
+            <a:spLocks noGrp="1"/>
+          </p:cNvSpPr>
+          <p:nvPr>
+            <p:ph type="dt" idx="1"/>
+          </p:nvPr>
+        </p:nvSpPr>
+        <p:spPr>
+          <a:xfrm>
+            <a:off x="3884613" y="0"/>
+            <a:ext cx="2971800" cy="458788"/>
+          </a:xfrm>
+          <a:prstGeom prst="rect">
+            <a:avLst/>
+          </a:prstGeom>
+        </p:spPr>
+        <p:txBody>
+          <a:bodyPr vert="horz" lIns="91440" tIns="45720" rIns="91440" bIns="45720" rtlCol="0"/>
+          <a:lstStyle>
+            <a:lvl1pPr algn="r">
+              <a:defRPr sz="1200"/>
+            </a:lvl1pPr>
+          </a:lstStyle>
+          <a:p>
+            <a:fld id="{9D441F50-0AC2-4B6A-9DF3-390EA6B65208}" type="datetimeFigureOut">
+              <a:rPr lang="pt-BR" smtClean="0"/>
+              <a:t>12/11/2022</a:t>
+            </a:fld>
+            <a:endParaRPr lang="pt-BR"/>
+          </a:p>
+        </p:txBody>
+      </p:sp>
+      <p:sp>
+        <p:nvSpPr>
+          <p:cNvPr id="4" name="Espaço Reservado para Imagem de Slide 3"/>
+          <p:cNvSpPr>
+            <a:spLocks noGrp="1" noRot="1" noChangeAspect="1"/>
+          </p:cNvSpPr>
+          <p:nvPr>
+            <p:ph type="sldImg" idx="2"/>
+          </p:nvPr>
+        </p:nvSpPr>
+        <p:spPr>
+          <a:xfrm>
+            <a:off x="685800" y="1143000"/>
+            <a:ext cx="5486400" cy="3086100"/>
+          </a:xfrm>
+          <a:prstGeom prst="rect">
+            <a:avLst/>
+          </a:prstGeom>
+          <a:noFill/>
+          <a:ln w="12700">
+            <a:solidFill>
+              <a:prstClr val="black"/>
+            </a:solidFill>
+          </a:ln>
+        </p:spPr>
+        <p:txBody>
+          <a:bodyPr vert="horz" lIns="91440" tIns="45720" rIns="91440" bIns="45720" rtlCol="0" anchor="ctr"/>
+          <a:lstStyle/>
+          <a:p>
+            <a:endParaRPr lang="pt-BR"/>
+          </a:p>
+        </p:txBody>
+      </p:sp>
+      <p:sp>
+        <p:nvSpPr>
+          <p:cNvPr id="5" name="Espaço Reservado para Anotações 4"/>
+          <p:cNvSpPr>
+            <a:spLocks noGrp="1"/>
+          </p:cNvSpPr>
+          <p:nvPr>
+            <p:ph type="body" sz="quarter" idx="3"/>
+          </p:nvPr>
+        </p:nvSpPr>
+        <p:spPr>
+          <a:xfrm>
+            <a:off x="685800" y="4400550"/>
+            <a:ext cx="5486400" cy="3600450"/>
+          </a:xfrm>
+          <a:prstGeom prst="rect">
+            <a:avLst/>
+          </a:prstGeom>
+        </p:spPr>
+        <p:txBody>
+          <a:bodyPr vert="horz" lIns="91440" tIns="45720" rIns="91440" bIns="45720" rtlCol="0"/>
+          <a:lstStyle/>
+          <a:p>
+            <a:pPr lvl="0"/>
+            <a:r>
+              <a:rPr lang="pt-BR"/>
+              <a:t>Editar estilos de texto Mestre</a:t>
+            </a:r>
+          </a:p>
+          <a:p>
+            <a:pPr lvl="1"/>
+            <a:r>
+              <a:rPr lang="pt-BR"/>
+              <a:t>Segundo nível</a:t>
+            </a:r>
+          </a:p>
+          <a:p>
+            <a:pPr lvl="2"/>
+            <a:r>
+              <a:rPr lang="pt-BR"/>
+              <a:t>Terceiro nível</a:t>
+            </a:r>
+          </a:p>
+          <a:p>
+            <a:pPr lvl="3"/>
+            <a:r>
+              <a:rPr lang="pt-BR"/>
+              <a:t>Quarto nível</a:t>
+            </a:r>
+          </a:p>
+          <a:p>
+            <a:pPr lvl="4"/>
+            <a:r>
+              <a:rPr lang="pt-BR"/>
+              <a:t>Quinto nível</a:t>
+            </a:r>
+          </a:p>
+        </p:txBody>
+      </p:sp>
+      <p:sp>
+        <p:nvSpPr>
+          <p:cNvPr id="6" name="Espaço Reservado para Rodapé 5"/>
+          <p:cNvSpPr>
+            <a:spLocks noGrp="1"/>
+          </p:cNvSpPr>
+          <p:nvPr>
+            <p:ph type="ftr" sz="quarter" idx="4"/>
+          </p:nvPr>
+        </p:nvSpPr>
+        <p:spPr>
+          <a:xfrm>
+            <a:off x="0" y="8685213"/>
+            <a:ext cx="2971800" cy="458787"/>
+          </a:xfrm>
+          <a:prstGeom prst="rect">
+            <a:avLst/>
+          </a:prstGeom>
+        </p:spPr>
+        <p:txBody>
+          <a:bodyPr vert="horz" lIns="91440" tIns="45720" rIns="91440" bIns="45720" rtlCol="0" anchor="b"/>
+          <a:lstStyle>
+            <a:lvl1pPr algn="l">
+              <a:defRPr sz="1200"/>
+            </a:lvl1pPr>
+          </a:lstStyle>
+          <a:p>
+            <a:endParaRPr lang="pt-BR"/>
+          </a:p>
+        </p:txBody>
+      </p:sp>
+      <p:sp>
+        <p:nvSpPr>
+          <p:cNvPr id="7" name="Espaço Reservado para Número de Slide 6"/>
+          <p:cNvSpPr>
+            <a:spLocks noGrp="1"/>
+          </p:cNvSpPr>
+          <p:nvPr>
+            <p:ph type="sldNum" sz="quarter" idx="5"/>
+          </p:nvPr>
+        </p:nvSpPr>
+        <p:spPr>
+          <a:xfrm>
+            <a:off x="3884613" y="8685213"/>
+            <a:ext cx="2971800" cy="458787"/>
+          </a:xfrm>
+          <a:prstGeom prst="rect">
+            <a:avLst/>
+          </a:prstGeom>
+        </p:spPr>
+        <p:txBody>
+          <a:bodyPr vert="horz" lIns="91440" tIns="45720" rIns="91440" bIns="45720" rtlCol="0" anchor="b"/>
+          <a:lstStyle>
+            <a:lvl1pPr algn="r">
+              <a:defRPr sz="1200"/>
+            </a:lvl1pPr>
+          </a:lstStyle>
+          <a:p>
+            <a:fld id="{A9DD9DB0-D0A0-43FB-834A-4A3ECDBCD4B5}" type="slidenum">
+              <a:rPr lang="pt-BR" smtClean="0"/>
+              <a:t>‹nº›</a:t>
+            </a:fld>
+            <a:endParaRPr lang="pt-BR"/>
+          </a:p>
+        </p:txBody>
+      </p:sp>
+    </p:spTree>
+    <p:extLst>
+      <p:ext uri="{BB962C8B-B14F-4D97-AF65-F5344CB8AC3E}">
+        <p14:creationId xmlns:p14="http://schemas.microsoft.com/office/powerpoint/2010/main" val="4075395445"/>
+      </p:ext>
+    </p:extLst>
+  </p:cSld>
+  <p:clrMap bg1="lt1" tx1="dk1" bg2="lt2" tx2="dk2" accent1="accent1" accent2="accent2" accent3="accent3" accent4="accent4" accent5="accent5" accent6="accent6" hlink="hlink" folHlink="folHlink"/>
+  <p:notesStyle>
+    <a:lvl1pPr marL="0" algn="l" defTabSz="914400" rtl="0" eaLnBrk="1" latinLnBrk="0" hangingPunct="1">
+      <a:defRPr sz="1200" kern="1200">
+        <a:solidFill>
+          <a:schemeClr val="tx1"/>
+        </a:solidFill>
+        <a:latin typeface="+mn-lt"/>
+        <a:ea typeface="+mn-ea"/>
+        <a:cs typeface="+mn-cs"/>
+      </a:defRPr>
+    </a:lvl1pPr>
+    <a:lvl2pPr marL="457200" algn="l" defTabSz="914400" rtl="0" eaLnBrk="1" latinLnBrk="0" hangingPunct="1">
+      <a:defRPr sz="1200" kern="1200">
+        <a:solidFill>
+          <a:schemeClr val="tx1"/>
+        </a:solidFill>
+        <a:latin typeface="+mn-lt"/>
+        <a:ea typeface="+mn-ea"/>
+        <a:cs typeface="+mn-cs"/>
+      </a:defRPr>
+    </a:lvl2pPr>
+    <a:lvl3pPr marL="914400" algn="l" defTabSz="914400" rtl="0" eaLnBrk="1" latinLnBrk="0" hangingPunct="1">
+      <a:defRPr sz="1200" kern="1200">
+        <a:solidFill>
+          <a:schemeClr val="tx1"/>
+        </a:solidFill>
+        <a:latin typeface="+mn-lt"/>
+        <a:ea typeface="+mn-ea"/>
+        <a:cs typeface="+mn-cs"/>
+      </a:defRPr>
+    </a:lvl3pPr>
+    <a:lvl4pPr marL="1371600" algn="l" defTabSz="914400" rtl="0" eaLnBrk="1" latinLnBrk="0" hangingPunct="1">
+      <a:defRPr sz="1200" kern="1200">
+        <a:solidFill>
+          <a:schemeClr val="tx1"/>
+        </a:solidFill>
+        <a:latin typeface="+mn-lt"/>
+        <a:ea typeface="+mn-ea"/>
+        <a:cs typeface="+mn-cs"/>
+      </a:defRPr>
+    </a:lvl4pPr>
+    <a:lvl5pPr marL="1828800" algn="l" defTabSz="914400" rtl="0" eaLnBrk="1" latinLnBrk="0" hangingPunct="1">
+      <a:defRPr sz="1200" kern="1200">
+        <a:solidFill>
+          <a:schemeClr val="tx1"/>
+        </a:solidFill>
+        <a:latin typeface="+mn-lt"/>
+        <a:ea typeface="+mn-ea"/>
+        <a:cs typeface="+mn-cs"/>
+      </a:defRPr>
+    </a:lvl5pPr>
+    <a:lvl6pPr marL="2286000" algn="l" defTabSz="914400" rtl="0" eaLnBrk="1" latinLnBrk="0" hangingPunct="1">
+      <a:defRPr sz="1200" kern="1200">
+        <a:solidFill>
+          <a:schemeClr val="tx1"/>
+        </a:solidFill>
+        <a:latin typeface="+mn-lt"/>
+        <a:ea typeface="+mn-ea"/>
+        <a:cs typeface="+mn-cs"/>
+      </a:defRPr>
+    </a:lvl6pPr>
+    <a:lvl7pPr marL="2743200" algn="l" defTabSz="914400" rtl="0" eaLnBrk="1" latinLnBrk="0" hangingPunct="1">
+      <a:defRPr sz="1200" kern="1200">
+        <a:solidFill>
+          <a:schemeClr val="tx1"/>
+        </a:solidFill>
+        <a:latin typeface="+mn-lt"/>
+        <a:ea typeface="+mn-ea"/>
+        <a:cs typeface="+mn-cs"/>
+      </a:defRPr>
+    </a:lvl7pPr>
+    <a:lvl8pPr marL="3200400" algn="l" defTabSz="914400" rtl="0" eaLnBrk="1" latinLnBrk="0" hangingPunct="1">
+      <a:defRPr sz="1200" kern="1200">
+        <a:solidFill>
+          <a:schemeClr val="tx1"/>
+        </a:solidFill>
+        <a:latin typeface="+mn-lt"/>
+        <a:ea typeface="+mn-ea"/>
+        <a:cs typeface="+mn-cs"/>
+      </a:defRPr>
+    </a:lvl8pPr>
+    <a:lvl9pPr marL="3657600" algn="l" defTabSz="914400" rtl="0" eaLnBrk="1" latinLnBrk="0" hangingPunct="1">
+      <a:defRPr sz="1200" kern="1200">
+        <a:solidFill>
+          <a:schemeClr val="tx1"/>
+        </a:solidFill>
+        <a:latin typeface="+mn-lt"/>
+        <a:ea typeface="+mn-ea"/>
+        <a:cs typeface="+mn-cs"/>
+      </a:defRPr>
+    </a:lvl9pPr>
+  </p:notesStyle>
+</p:notesMaster>
+</file>
+
+<file path=ppt/notesSlides/notesSlide1.xml><?xml version="1.0" encoding="utf-8"?>
+<p:notes xmlns:a="http://schemas.openxmlformats.org/drawingml/2006/main" xmlns:r="http://schemas.openxmlformats.org/officeDocument/2006/relationships" xmlns:p="http://schemas.openxmlformats.org/presentationml/2006/main">
+  <p:cSld>
+    <p:spTree>
+      <p:nvGrpSpPr>
+        <p:cNvPr id="1" name=""/>
+        <p:cNvGrpSpPr/>
+        <p:nvPr/>
+      </p:nvGrpSpPr>
+      <p:grpSpPr>
+        <a:xfrm>
+          <a:off x="0" y="0"/>
+          <a:ext cx="0" cy="0"/>
+          <a:chOff x="0" y="0"/>
+          <a:chExt cx="0" cy="0"/>
+        </a:xfrm>
+      </p:grpSpPr>
+      <p:sp>
+        <p:nvSpPr>
+          <p:cNvPr id="2" name="Espaço Reservado para Imagem de Slide 1"/>
+          <p:cNvSpPr>
+            <a:spLocks noGrp="1" noRot="1" noChangeAspect="1"/>
+          </p:cNvSpPr>
+          <p:nvPr>
+            <p:ph type="sldImg"/>
+          </p:nvPr>
+        </p:nvSpPr>
+        <p:spPr/>
+      </p:sp>
+      <p:sp>
+        <p:nvSpPr>
+          <p:cNvPr id="3" name="Espaço Reservado para Anotações 2"/>
+          <p:cNvSpPr>
+            <a:spLocks noGrp="1"/>
+          </p:cNvSpPr>
+          <p:nvPr>
+            <p:ph type="body" idx="1"/>
+          </p:nvPr>
+        </p:nvSpPr>
+        <p:spPr/>
+        <p:txBody>
+          <a:bodyPr/>
+          <a:lstStyle/>
+          <a:p>
+            <a:endParaRPr lang="pt-BR" dirty="0"/>
+          </a:p>
+        </p:txBody>
+      </p:sp>
+      <p:sp>
+        <p:nvSpPr>
+          <p:cNvPr id="4" name="Espaço Reservado para Número de Slide 3"/>
+          <p:cNvSpPr>
+            <a:spLocks noGrp="1"/>
+          </p:cNvSpPr>
+          <p:nvPr>
+            <p:ph type="sldNum" sz="quarter" idx="5"/>
+          </p:nvPr>
+        </p:nvSpPr>
+        <p:spPr/>
+        <p:txBody>
+          <a:bodyPr/>
+          <a:lstStyle/>
+          <a:p>
+            <a:fld id="{A9DD9DB0-D0A0-43FB-834A-4A3ECDBCD4B5}" type="slidenum">
+              <a:rPr lang="pt-BR" smtClean="0"/>
+              <a:t>5</a:t>
+            </a:fld>
+            <a:endParaRPr lang="pt-BR"/>
+          </a:p>
+        </p:txBody>
+      </p:sp>
+    </p:spTree>
+    <p:extLst>
+      <p:ext uri="{BB962C8B-B14F-4D97-AF65-F5344CB8AC3E}">
+        <p14:creationId xmlns:p14="http://schemas.microsoft.com/office/powerpoint/2010/main" val="3550572676"/>
+      </p:ext>
+    </p:extLst>
+  </p:cSld>
+  <p:clrMapOvr>
+    <a:masterClrMapping/>
+  </p:clrMapOvr>
+</p:notes>
+</file>
+
+<file path=ppt/notesSlides/notesSlide2.xml><?xml version="1.0" encoding="utf-8"?>
+<p:notes xmlns:a="http://schemas.openxmlformats.org/drawingml/2006/main" xmlns:r="http://schemas.openxmlformats.org/officeDocument/2006/relationships" xmlns:p="http://schemas.openxmlformats.org/presentationml/2006/main">
+  <p:cSld>
+    <p:spTree>
+      <p:nvGrpSpPr>
+        <p:cNvPr id="1" name=""/>
+        <p:cNvGrpSpPr/>
+        <p:nvPr/>
+      </p:nvGrpSpPr>
+      <p:grpSpPr>
+        <a:xfrm>
+          <a:off x="0" y="0"/>
+          <a:ext cx="0" cy="0"/>
+          <a:chOff x="0" y="0"/>
+          <a:chExt cx="0" cy="0"/>
+        </a:xfrm>
+      </p:grpSpPr>
+      <p:sp>
+        <p:nvSpPr>
+          <p:cNvPr id="2" name="Espaço Reservado para Imagem de Slide 1"/>
+          <p:cNvSpPr>
+            <a:spLocks noGrp="1" noRot="1" noChangeAspect="1"/>
+          </p:cNvSpPr>
+          <p:nvPr>
+            <p:ph type="sldImg"/>
+          </p:nvPr>
+        </p:nvSpPr>
+        <p:spPr/>
+      </p:sp>
+      <p:sp>
+        <p:nvSpPr>
+          <p:cNvPr id="3" name="Espaço Reservado para Anotações 2"/>
+          <p:cNvSpPr>
+            <a:spLocks noGrp="1"/>
+          </p:cNvSpPr>
+          <p:nvPr>
+            <p:ph type="body" idx="1"/>
+          </p:nvPr>
+        </p:nvSpPr>
+        <p:spPr/>
+        <p:txBody>
+          <a:bodyPr/>
+          <a:lstStyle/>
+          <a:p>
+            <a:endParaRPr lang="pt-BR" dirty="0"/>
+          </a:p>
+        </p:txBody>
+      </p:sp>
+      <p:sp>
+        <p:nvSpPr>
+          <p:cNvPr id="4" name="Espaço Reservado para Número de Slide 3"/>
+          <p:cNvSpPr>
+            <a:spLocks noGrp="1"/>
+          </p:cNvSpPr>
+          <p:nvPr>
+            <p:ph type="sldNum" sz="quarter" idx="5"/>
+          </p:nvPr>
+        </p:nvSpPr>
+        <p:spPr/>
+        <p:txBody>
+          <a:bodyPr/>
+          <a:lstStyle/>
+          <a:p>
+            <a:fld id="{A9DD9DB0-D0A0-43FB-834A-4A3ECDBCD4B5}" type="slidenum">
+              <a:rPr lang="pt-BR" smtClean="0"/>
+              <a:t>6</a:t>
+            </a:fld>
+            <a:endParaRPr lang="pt-BR"/>
+          </a:p>
+        </p:txBody>
+      </p:sp>
+    </p:spTree>
+    <p:extLst>
+      <p:ext uri="{BB962C8B-B14F-4D97-AF65-F5344CB8AC3E}">
+        <p14:creationId xmlns:p14="http://schemas.microsoft.com/office/powerpoint/2010/main" val="1997362935"/>
+      </p:ext>
+    </p:extLst>
+  </p:cSld>
+  <p:clrMapOvr>
+    <a:masterClrMapping/>
+  </p:clrMapOvr>
+</p:notes>
 </file>
 
 <file path=ppt/slideLayouts/slideLayout1.xml><?xml version="1.0" encoding="utf-8"?>
@@ -833,7 +1359,7 @@
           <a:p>
             <a:fld id="{E5D4FE9B-7B03-4AE4-BF4B-09F768B03BB6}" type="datetimeFigureOut">
               <a:rPr lang="pt-BR" smtClean="0"/>
-              <a:t>10/11/2022</a:t>
+              <a:t>12/11/2022</a:t>
             </a:fld>
             <a:endParaRPr lang="pt-BR"/>
           </a:p>
@@ -1084,7 +1610,7 @@
           <a:p>
             <a:fld id="{E5D4FE9B-7B03-4AE4-BF4B-09F768B03BB6}" type="datetimeFigureOut">
               <a:rPr lang="pt-BR" smtClean="0"/>
-              <a:t>10/11/2022</a:t>
+              <a:t>12/11/2022</a:t>
             </a:fld>
             <a:endParaRPr lang="pt-BR"/>
           </a:p>
@@ -1398,7 +1924,7 @@
           <a:p>
             <a:fld id="{E5D4FE9B-7B03-4AE4-BF4B-09F768B03BB6}" type="datetimeFigureOut">
               <a:rPr lang="pt-BR" smtClean="0"/>
-              <a:t>10/11/2022</a:t>
+              <a:t>12/11/2022</a:t>
             </a:fld>
             <a:endParaRPr lang="pt-BR"/>
           </a:p>
@@ -1739,7 +2265,7 @@
           <a:p>
             <a:fld id="{E5D4FE9B-7B03-4AE4-BF4B-09F768B03BB6}" type="datetimeFigureOut">
               <a:rPr lang="pt-BR" smtClean="0"/>
-              <a:t>10/11/2022</a:t>
+              <a:t>12/11/2022</a:t>
             </a:fld>
             <a:endParaRPr lang="pt-BR"/>
           </a:p>
@@ -2053,7 +2579,7 @@
           <a:p>
             <a:fld id="{E5D4FE9B-7B03-4AE4-BF4B-09F768B03BB6}" type="datetimeFigureOut">
               <a:rPr lang="pt-BR" smtClean="0"/>
-              <a:t>10/11/2022</a:t>
+              <a:t>12/11/2022</a:t>
             </a:fld>
             <a:endParaRPr lang="pt-BR"/>
           </a:p>
@@ -2446,7 +2972,7 @@
           <a:p>
             <a:fld id="{E5D4FE9B-7B03-4AE4-BF4B-09F768B03BB6}" type="datetimeFigureOut">
               <a:rPr lang="pt-BR" smtClean="0"/>
-              <a:t>10/11/2022</a:t>
+              <a:t>12/11/2022</a:t>
             </a:fld>
             <a:endParaRPr lang="pt-BR"/>
           </a:p>
@@ -2616,7 +3142,7 @@
           <a:p>
             <a:fld id="{E5D4FE9B-7B03-4AE4-BF4B-09F768B03BB6}" type="datetimeFigureOut">
               <a:rPr lang="pt-BR" smtClean="0"/>
-              <a:t>10/11/2022</a:t>
+              <a:t>12/11/2022</a:t>
             </a:fld>
             <a:endParaRPr lang="pt-BR"/>
           </a:p>
@@ -2796,7 +3322,7 @@
           <a:p>
             <a:fld id="{E5D4FE9B-7B03-4AE4-BF4B-09F768B03BB6}" type="datetimeFigureOut">
               <a:rPr lang="pt-BR" smtClean="0"/>
-              <a:t>10/11/2022</a:t>
+              <a:t>12/11/2022</a:t>
             </a:fld>
             <a:endParaRPr lang="pt-BR"/>
           </a:p>
@@ -2972,7 +3498,7 @@
           <a:p>
             <a:fld id="{E5D4FE9B-7B03-4AE4-BF4B-09F768B03BB6}" type="datetimeFigureOut">
               <a:rPr lang="pt-BR" smtClean="0"/>
-              <a:t>10/11/2022</a:t>
+              <a:t>12/11/2022</a:t>
             </a:fld>
             <a:endParaRPr lang="pt-BR"/>
           </a:p>
@@ -3219,7 +3745,7 @@
           <a:p>
             <a:fld id="{E5D4FE9B-7B03-4AE4-BF4B-09F768B03BB6}" type="datetimeFigureOut">
               <a:rPr lang="pt-BR" smtClean="0"/>
-              <a:t>10/11/2022</a:t>
+              <a:t>12/11/2022</a:t>
             </a:fld>
             <a:endParaRPr lang="pt-BR"/>
           </a:p>
@@ -3451,7 +3977,7 @@
           <a:p>
             <a:fld id="{E5D4FE9B-7B03-4AE4-BF4B-09F768B03BB6}" type="datetimeFigureOut">
               <a:rPr lang="pt-BR" smtClean="0"/>
-              <a:t>10/11/2022</a:t>
+              <a:t>12/11/2022</a:t>
             </a:fld>
             <a:endParaRPr lang="pt-BR"/>
           </a:p>
@@ -3825,7 +4351,7 @@
           <a:p>
             <a:fld id="{E5D4FE9B-7B03-4AE4-BF4B-09F768B03BB6}" type="datetimeFigureOut">
               <a:rPr lang="pt-BR" smtClean="0"/>
-              <a:t>10/11/2022</a:t>
+              <a:t>12/11/2022</a:t>
             </a:fld>
             <a:endParaRPr lang="pt-BR"/>
           </a:p>
@@ -3948,7 +4474,7 @@
           <a:p>
             <a:fld id="{E5D4FE9B-7B03-4AE4-BF4B-09F768B03BB6}" type="datetimeFigureOut">
               <a:rPr lang="pt-BR" smtClean="0"/>
-              <a:t>10/11/2022</a:t>
+              <a:t>12/11/2022</a:t>
             </a:fld>
             <a:endParaRPr lang="pt-BR"/>
           </a:p>
@@ -4043,7 +4569,7 @@
           <a:p>
             <a:fld id="{E5D4FE9B-7B03-4AE4-BF4B-09F768B03BB6}" type="datetimeFigureOut">
               <a:rPr lang="pt-BR" smtClean="0"/>
-              <a:t>10/11/2022</a:t>
+              <a:t>12/11/2022</a:t>
             </a:fld>
             <a:endParaRPr lang="pt-BR"/>
           </a:p>
@@ -4298,7 +4824,7 @@
           <a:p>
             <a:fld id="{E5D4FE9B-7B03-4AE4-BF4B-09F768B03BB6}" type="datetimeFigureOut">
               <a:rPr lang="pt-BR" smtClean="0"/>
-              <a:t>10/11/2022</a:t>
+              <a:t>12/11/2022</a:t>
             </a:fld>
             <a:endParaRPr lang="pt-BR"/>
           </a:p>
@@ -4561,7 +5087,7 @@
           <a:p>
             <a:fld id="{E5D4FE9B-7B03-4AE4-BF4B-09F768B03BB6}" type="datetimeFigureOut">
               <a:rPr lang="pt-BR" smtClean="0"/>
-              <a:t>10/11/2022</a:t>
+              <a:t>12/11/2022</a:t>
             </a:fld>
             <a:endParaRPr lang="pt-BR"/>
           </a:p>
@@ -5304,7 +5830,7 @@
           <a:p>
             <a:fld id="{E5D4FE9B-7B03-4AE4-BF4B-09F768B03BB6}" type="datetimeFigureOut">
               <a:rPr lang="pt-BR" smtClean="0"/>
-              <a:t>10/11/2022</a:t>
+              <a:t>12/11/2022</a:t>
             </a:fld>
             <a:endParaRPr lang="pt-BR"/>
           </a:p>
@@ -5962,13 +6488,13 @@
           <a:p>
             <a:r>
               <a:rPr lang="pt-BR" dirty="0"/>
-              <a:t>Usuário curioso que entra no site procurando por imagens do espaço ou sobre a história da NASA.</a:t>
+              <a:t>Usuário interessado  em entrar no site procurando por imagens do espaço ou sobre a história da NASA;</a:t>
             </a:r>
           </a:p>
           <a:p>
             <a:r>
               <a:rPr lang="pt-BR" dirty="0"/>
-              <a:t>É importante salientar que a NASA tem muito outros recursos, porém para deixar o site mais limpo.</a:t>
+              <a:t>É importante salientar que a NASA tem muito outros recursos, porém para deixar o site mais limpo, focaremos nesses dois pontos anteriores.</a:t>
             </a:r>
           </a:p>
           <a:p>
@@ -6208,10 +6734,1222 @@
           <a:chExt cx="0" cy="0"/>
         </a:xfrm>
       </p:grpSpPr>
+      <p:sp>
+        <p:nvSpPr>
+          <p:cNvPr id="2" name="AutoShape 2" descr="https://wallpaper.dog/large/10875588.jpg">
+            <a:extLst>
+              <a:ext uri="{FF2B5EF4-FFF2-40B4-BE49-F238E27FC236}">
+                <a16:creationId xmlns:a16="http://schemas.microsoft.com/office/drawing/2014/main" id="{25E5D546-E6FC-4036-8315-A93CD9B59729}"/>
+              </a:ext>
+            </a:extLst>
+          </p:cNvPr>
+          <p:cNvSpPr>
+            <a:spLocks noChangeAspect="1" noChangeArrowheads="1"/>
+          </p:cNvSpPr>
+          <p:nvPr/>
+        </p:nvSpPr>
+        <p:spPr bwMode="auto">
+          <a:xfrm>
+            <a:off x="5943600" y="3276600"/>
+            <a:ext cx="304800" cy="304800"/>
+          </a:xfrm>
+          <a:prstGeom prst="rect">
+            <a:avLst/>
+          </a:prstGeom>
+          <a:noFill/>
+          <a:extLst>
+            <a:ext uri="{909E8E84-426E-40DD-AFC4-6F175D3DCCD1}">
+              <a14:hiddenFill xmlns:a14="http://schemas.microsoft.com/office/drawing/2010/main">
+                <a:solidFill>
+                  <a:srgbClr val="FFFFFF"/>
+                </a:solidFill>
+              </a14:hiddenFill>
+            </a:ext>
+          </a:extLst>
+        </p:spPr>
+        <p:txBody>
+          <a:bodyPr vert="horz" wrap="square" lIns="91440" tIns="45720" rIns="91440" bIns="45720" numCol="1" anchor="t" anchorCtr="0" compatLnSpc="1">
+            <a:prstTxWarp prst="textNoShape">
+              <a:avLst/>
+            </a:prstTxWarp>
+          </a:bodyPr>
+          <a:lstStyle/>
+          <a:p>
+            <a:endParaRPr lang="pt-BR"/>
+          </a:p>
+        </p:txBody>
+      </p:sp>
+      <p:pic>
+        <p:nvPicPr>
+          <p:cNvPr id="4" name="Imagem 3">
+            <a:extLst>
+              <a:ext uri="{FF2B5EF4-FFF2-40B4-BE49-F238E27FC236}">
+                <a16:creationId xmlns:a16="http://schemas.microsoft.com/office/drawing/2014/main" id="{648CC63A-8C19-4562-A009-5DC7760B08C1}"/>
+              </a:ext>
+            </a:extLst>
+          </p:cNvPr>
+          <p:cNvPicPr>
+            <a:picLocks noChangeAspect="1"/>
+          </p:cNvPicPr>
+          <p:nvPr/>
+        </p:nvPicPr>
+        <p:blipFill>
+          <a:blip r:embed="rId3">
+            <a:extLst>
+              <a:ext uri="{28A0092B-C50C-407E-A947-70E740481C1C}">
+                <a14:useLocalDpi xmlns:a14="http://schemas.microsoft.com/office/drawing/2010/main" val="0"/>
+              </a:ext>
+            </a:extLst>
+          </a:blip>
+          <a:stretch>
+            <a:fillRect/>
+          </a:stretch>
+        </p:blipFill>
+        <p:spPr>
+          <a:xfrm>
+            <a:off x="0" y="0"/>
+            <a:ext cx="12192000" cy="6858000"/>
+          </a:xfrm>
+          <a:prstGeom prst="rect">
+            <a:avLst/>
+          </a:prstGeom>
+          <a:ln w="57150">
+            <a:noFill/>
+          </a:ln>
+        </p:spPr>
+      </p:pic>
+      <p:pic>
+        <p:nvPicPr>
+          <p:cNvPr id="8" name="Imagem 7">
+            <a:extLst>
+              <a:ext uri="{FF2B5EF4-FFF2-40B4-BE49-F238E27FC236}">
+                <a16:creationId xmlns:a16="http://schemas.microsoft.com/office/drawing/2014/main" id="{D21346FD-6A7C-4182-A4B0-7765A0A67554}"/>
+              </a:ext>
+            </a:extLst>
+          </p:cNvPr>
+          <p:cNvPicPr>
+            <a:picLocks noChangeAspect="1"/>
+          </p:cNvPicPr>
+          <p:nvPr/>
+        </p:nvPicPr>
+        <p:blipFill>
+          <a:blip r:embed="rId4">
+            <a:extLst>
+              <a:ext uri="{28A0092B-C50C-407E-A947-70E740481C1C}">
+                <a14:useLocalDpi xmlns:a14="http://schemas.microsoft.com/office/drawing/2010/main" val="0"/>
+              </a:ext>
+            </a:extLst>
+          </a:blip>
+          <a:stretch>
+            <a:fillRect/>
+          </a:stretch>
+        </p:blipFill>
+        <p:spPr>
+          <a:xfrm>
+            <a:off x="-31164" y="63844"/>
+            <a:ext cx="1208229" cy="906172"/>
+          </a:xfrm>
+          <a:prstGeom prst="rect">
+            <a:avLst/>
+          </a:prstGeom>
+        </p:spPr>
+      </p:pic>
+      <p:pic>
+        <p:nvPicPr>
+          <p:cNvPr id="10" name="Imagem 9">
+            <a:extLst>
+              <a:ext uri="{FF2B5EF4-FFF2-40B4-BE49-F238E27FC236}">
+                <a16:creationId xmlns:a16="http://schemas.microsoft.com/office/drawing/2014/main" id="{EFE65CD3-5F21-42D4-9C5B-80989C183F7B}"/>
+              </a:ext>
+            </a:extLst>
+          </p:cNvPr>
+          <p:cNvPicPr>
+            <a:picLocks noChangeAspect="1"/>
+          </p:cNvPicPr>
+          <p:nvPr/>
+        </p:nvPicPr>
+        <p:blipFill>
+          <a:blip r:embed="rId5">
+            <a:extLst>
+              <a:ext uri="{28A0092B-C50C-407E-A947-70E740481C1C}">
+                <a14:useLocalDpi xmlns:a14="http://schemas.microsoft.com/office/drawing/2010/main" val="0"/>
+              </a:ext>
+            </a:extLst>
+          </a:blip>
+          <a:stretch>
+            <a:fillRect/>
+          </a:stretch>
+        </p:blipFill>
+        <p:spPr>
+          <a:xfrm>
+            <a:off x="11227206" y="224605"/>
+            <a:ext cx="964794" cy="513408"/>
+          </a:xfrm>
+          <a:prstGeom prst="rect">
+            <a:avLst/>
+          </a:prstGeom>
+        </p:spPr>
+      </p:pic>
+      <p:pic>
+        <p:nvPicPr>
+          <p:cNvPr id="29" name="Picture 12" descr="ANGLE-ARROW-DOWN-WHITE.PNG: DOWNLOAD - CDNPKG">
+            <a:extLst>
+              <a:ext uri="{FF2B5EF4-FFF2-40B4-BE49-F238E27FC236}">
+                <a16:creationId xmlns:a16="http://schemas.microsoft.com/office/drawing/2014/main" id="{B53F0D88-D84B-43D1-8729-ADC5C4F49593}"/>
+              </a:ext>
+            </a:extLst>
+          </p:cNvPr>
+          <p:cNvPicPr>
+            <a:picLocks noChangeAspect="1" noChangeArrowheads="1"/>
+          </p:cNvPicPr>
+          <p:nvPr/>
+        </p:nvPicPr>
+        <p:blipFill>
+          <a:blip r:embed="rId6">
+            <a:extLst>
+              <a:ext uri="{28A0092B-C50C-407E-A947-70E740481C1C}">
+                <a14:useLocalDpi xmlns:a14="http://schemas.microsoft.com/office/drawing/2010/main" val="0"/>
+              </a:ext>
+            </a:extLst>
+          </a:blip>
+          <a:srcRect/>
+          <a:stretch>
+            <a:fillRect/>
+          </a:stretch>
+        </p:blipFill>
+        <p:spPr bwMode="auto">
+          <a:xfrm>
+            <a:off x="5527837" y="6009616"/>
+            <a:ext cx="1438515" cy="408078"/>
+          </a:xfrm>
+          <a:prstGeom prst="rect">
+            <a:avLst/>
+          </a:prstGeom>
+          <a:noFill/>
+          <a:extLst>
+            <a:ext uri="{909E8E84-426E-40DD-AFC4-6F175D3DCCD1}">
+              <a14:hiddenFill xmlns:a14="http://schemas.microsoft.com/office/drawing/2010/main">
+                <a:solidFill>
+                  <a:srgbClr val="FFFFFF"/>
+                </a:solidFill>
+              </a14:hiddenFill>
+            </a:ext>
+          </a:extLst>
+        </p:spPr>
+      </p:pic>
+      <p:pic>
+        <p:nvPicPr>
+          <p:cNvPr id="30" name="Picture 12" descr="ANGLE-ARROW-DOWN-WHITE.PNG: DOWNLOAD - CDNPKG">
+            <a:extLst>
+              <a:ext uri="{FF2B5EF4-FFF2-40B4-BE49-F238E27FC236}">
+                <a16:creationId xmlns:a16="http://schemas.microsoft.com/office/drawing/2014/main" id="{CE6A6B50-BE8E-40A6-9369-53F789D1AB6D}"/>
+              </a:ext>
+            </a:extLst>
+          </p:cNvPr>
+          <p:cNvPicPr>
+            <a:picLocks noChangeAspect="1" noChangeArrowheads="1"/>
+          </p:cNvPicPr>
+          <p:nvPr/>
+        </p:nvPicPr>
+        <p:blipFill>
+          <a:blip r:embed="rId6">
+            <a:extLst>
+              <a:ext uri="{28A0092B-C50C-407E-A947-70E740481C1C}">
+                <a14:useLocalDpi xmlns:a14="http://schemas.microsoft.com/office/drawing/2010/main" val="0"/>
+              </a:ext>
+            </a:extLst>
+          </a:blip>
+          <a:srcRect/>
+          <a:stretch>
+            <a:fillRect/>
+          </a:stretch>
+        </p:blipFill>
+        <p:spPr bwMode="auto">
+          <a:xfrm>
+            <a:off x="5535628" y="6326043"/>
+            <a:ext cx="1438515" cy="408078"/>
+          </a:xfrm>
+          <a:prstGeom prst="rect">
+            <a:avLst/>
+          </a:prstGeom>
+          <a:noFill/>
+          <a:extLst>
+            <a:ext uri="{909E8E84-426E-40DD-AFC4-6F175D3DCCD1}">
+              <a14:hiddenFill xmlns:a14="http://schemas.microsoft.com/office/drawing/2010/main">
+                <a:solidFill>
+                  <a:srgbClr val="FFFFFF"/>
+                </a:solidFill>
+              </a14:hiddenFill>
+            </a:ext>
+          </a:extLst>
+        </p:spPr>
+      </p:pic>
+      <p:pic>
+        <p:nvPicPr>
+          <p:cNvPr id="31" name="Imagem 30">
+            <a:extLst>
+              <a:ext uri="{FF2B5EF4-FFF2-40B4-BE49-F238E27FC236}">
+                <a16:creationId xmlns:a16="http://schemas.microsoft.com/office/drawing/2014/main" id="{47D2CE92-F49D-4EAA-86B9-7A8A815B9711}"/>
+              </a:ext>
+            </a:extLst>
+          </p:cNvPr>
+          <p:cNvPicPr>
+            <a:picLocks noChangeAspect="1"/>
+          </p:cNvPicPr>
+          <p:nvPr/>
+        </p:nvPicPr>
+        <p:blipFill>
+          <a:blip r:embed="rId7">
+            <a:extLst>
+              <a:ext uri="{28A0092B-C50C-407E-A947-70E740481C1C}">
+                <a14:useLocalDpi xmlns:a14="http://schemas.microsoft.com/office/drawing/2010/main" val="0"/>
+              </a:ext>
+            </a:extLst>
+          </a:blip>
+          <a:stretch>
+            <a:fillRect/>
+          </a:stretch>
+        </p:blipFill>
+        <p:spPr>
+          <a:xfrm rot="1300083">
+            <a:off x="-740521" y="1784087"/>
+            <a:ext cx="7736305" cy="5160154"/>
+          </a:xfrm>
+          <a:prstGeom prst="rect">
+            <a:avLst/>
+          </a:prstGeom>
+        </p:spPr>
+      </p:pic>
+      <p:sp>
+        <p:nvSpPr>
+          <p:cNvPr id="5" name="CaixaDeTexto 4">
+            <a:extLst>
+              <a:ext uri="{FF2B5EF4-FFF2-40B4-BE49-F238E27FC236}">
+                <a16:creationId xmlns:a16="http://schemas.microsoft.com/office/drawing/2014/main" id="{1751551F-5A33-439F-A61D-4AE6B95D671D}"/>
+              </a:ext>
+            </a:extLst>
+          </p:cNvPr>
+          <p:cNvSpPr txBox="1"/>
+          <p:nvPr/>
+        </p:nvSpPr>
+        <p:spPr>
+          <a:xfrm>
+            <a:off x="324330" y="2160519"/>
+            <a:ext cx="4431324" cy="1631216"/>
+          </a:xfrm>
+          <a:prstGeom prst="rect">
+            <a:avLst/>
+          </a:prstGeom>
+          <a:noFill/>
+        </p:spPr>
+        <p:txBody>
+          <a:bodyPr wrap="square" rtlCol="0">
+            <a:spAutoFit/>
+          </a:bodyPr>
+          <a:lstStyle/>
+          <a:p>
+            <a:r>
+              <a:rPr lang="pt-BR" sz="5000" b="1" dirty="0">
+                <a:solidFill>
+                  <a:schemeClr val="bg1"/>
+                </a:solidFill>
+                <a:effectLst>
+                  <a:outerShdw blurRad="393700" dist="50800" algn="ctr" rotWithShape="0">
+                    <a:srgbClr val="002060"/>
+                  </a:outerShdw>
+                </a:effectLst>
+                <a:latin typeface="Verdana" panose="020B0604030504040204" pitchFamily="34" charset="0"/>
+                <a:ea typeface="Verdana" panose="020B0604030504040204" pitchFamily="34" charset="0"/>
+                <a:cs typeface="Arial" panose="020B0604020202020204" pitchFamily="34" charset="0"/>
+              </a:rPr>
+              <a:t>EXPLORE THE SPACE</a:t>
+            </a:r>
+          </a:p>
+        </p:txBody>
+      </p:sp>
+      <p:pic>
+        <p:nvPicPr>
+          <p:cNvPr id="35" name="Imagem 34">
+            <a:extLst>
+              <a:ext uri="{FF2B5EF4-FFF2-40B4-BE49-F238E27FC236}">
+                <a16:creationId xmlns:a16="http://schemas.microsoft.com/office/drawing/2014/main" id="{EC2502B8-0696-4B6C-B52C-20015C01A656}"/>
+              </a:ext>
+            </a:extLst>
+          </p:cNvPr>
+          <p:cNvPicPr>
+            <a:picLocks noChangeAspect="1"/>
+          </p:cNvPicPr>
+          <p:nvPr/>
+        </p:nvPicPr>
+        <p:blipFill>
+          <a:blip r:embed="rId8">
+            <a:extLst>
+              <a:ext uri="{28A0092B-C50C-407E-A947-70E740481C1C}">
+                <a14:useLocalDpi xmlns:a14="http://schemas.microsoft.com/office/drawing/2010/main" val="0"/>
+              </a:ext>
+            </a:extLst>
+          </a:blip>
+          <a:stretch>
+            <a:fillRect/>
+          </a:stretch>
+        </p:blipFill>
+        <p:spPr>
+          <a:xfrm>
+            <a:off x="8662420" y="1973601"/>
+            <a:ext cx="3520925" cy="4870800"/>
+          </a:xfrm>
+          <a:prstGeom prst="rect">
+            <a:avLst/>
+          </a:prstGeom>
+        </p:spPr>
+      </p:pic>
+      <p:sp>
+        <p:nvSpPr>
+          <p:cNvPr id="41" name="CaixaDeTexto 40">
+            <a:extLst>
+              <a:ext uri="{FF2B5EF4-FFF2-40B4-BE49-F238E27FC236}">
+                <a16:creationId xmlns:a16="http://schemas.microsoft.com/office/drawing/2014/main" id="{EEF622ED-486B-45C2-8E7E-1B792024F4C9}"/>
+              </a:ext>
+            </a:extLst>
+          </p:cNvPr>
+          <p:cNvSpPr txBox="1"/>
+          <p:nvPr/>
+        </p:nvSpPr>
+        <p:spPr>
+          <a:xfrm>
+            <a:off x="7607763" y="3295934"/>
+            <a:ext cx="4575582" cy="2400657"/>
+          </a:xfrm>
+          <a:prstGeom prst="rect">
+            <a:avLst/>
+          </a:prstGeom>
+          <a:noFill/>
+        </p:spPr>
+        <p:txBody>
+          <a:bodyPr wrap="square" rtlCol="0">
+            <a:spAutoFit/>
+          </a:bodyPr>
+          <a:lstStyle/>
+          <a:p>
+            <a:r>
+              <a:rPr lang="pt-BR" sz="5000" b="1" dirty="0">
+                <a:solidFill>
+                  <a:schemeClr val="bg1"/>
+                </a:solidFill>
+                <a:effectLst>
+                  <a:outerShdw blurRad="393700" dist="50800" algn="ctr" rotWithShape="0">
+                    <a:srgbClr val="002060"/>
+                  </a:outerShdw>
+                </a:effectLst>
+                <a:latin typeface="Verdana" panose="020B0604030504040204" pitchFamily="34" charset="0"/>
+                <a:ea typeface="Verdana" panose="020B0604030504040204" pitchFamily="34" charset="0"/>
+                <a:cs typeface="Arial" panose="020B0604020202020204" pitchFamily="34" charset="0"/>
+              </a:rPr>
+              <a:t>LEARN ABOUT OUR HISTORY</a:t>
+            </a:r>
+          </a:p>
+        </p:txBody>
+      </p:sp>
+      <p:grpSp>
+        <p:nvGrpSpPr>
+          <p:cNvPr id="38" name="Agrupar 37">
+            <a:extLst>
+              <a:ext uri="{FF2B5EF4-FFF2-40B4-BE49-F238E27FC236}">
+                <a16:creationId xmlns:a16="http://schemas.microsoft.com/office/drawing/2014/main" id="{49B49827-AD0D-4621-BED6-306EF071A9F2}"/>
+              </a:ext>
+            </a:extLst>
+          </p:cNvPr>
+          <p:cNvGrpSpPr/>
+          <p:nvPr/>
+        </p:nvGrpSpPr>
+        <p:grpSpPr>
+          <a:xfrm>
+            <a:off x="3621895" y="327518"/>
+            <a:ext cx="5301992" cy="446276"/>
+            <a:chOff x="3621895" y="327518"/>
+            <a:chExt cx="5301992" cy="446276"/>
+          </a:xfrm>
+        </p:grpSpPr>
+        <p:sp>
+          <p:nvSpPr>
+            <p:cNvPr id="37" name="Retângulo: Cantos Arredondados 36">
+              <a:extLst>
+                <a:ext uri="{FF2B5EF4-FFF2-40B4-BE49-F238E27FC236}">
+                  <a16:creationId xmlns:a16="http://schemas.microsoft.com/office/drawing/2014/main" id="{71E1C11F-A20A-483C-A046-396FBC7AEA87}"/>
+                </a:ext>
+              </a:extLst>
+            </p:cNvPr>
+            <p:cNvSpPr/>
+            <p:nvPr/>
+          </p:nvSpPr>
+          <p:spPr>
+            <a:xfrm>
+              <a:off x="3621895" y="343529"/>
+              <a:ext cx="5301992" cy="407963"/>
+            </a:xfrm>
+            <a:prstGeom prst="roundRect">
+              <a:avLst>
+                <a:gd name="adj" fmla="val 50000"/>
+              </a:avLst>
+            </a:prstGeom>
+            <a:solidFill>
+              <a:schemeClr val="tx1">
+                <a:alpha val="72000"/>
+              </a:schemeClr>
+            </a:solidFill>
+            <a:ln>
+              <a:solidFill>
+                <a:schemeClr val="bg1"/>
+              </a:solidFill>
+            </a:ln>
+          </p:spPr>
+          <p:style>
+            <a:lnRef idx="2">
+              <a:schemeClr val="accent1">
+                <a:shade val="50000"/>
+              </a:schemeClr>
+            </a:lnRef>
+            <a:fillRef idx="1">
+              <a:schemeClr val="accent1"/>
+            </a:fillRef>
+            <a:effectRef idx="0">
+              <a:schemeClr val="accent1"/>
+            </a:effectRef>
+            <a:fontRef idx="minor">
+              <a:schemeClr val="lt1"/>
+            </a:fontRef>
+          </p:style>
+          <p:txBody>
+            <a:bodyPr rtlCol="0" anchor="ctr"/>
+            <a:lstStyle/>
+            <a:p>
+              <a:pPr algn="ctr"/>
+              <a:endParaRPr lang="pt-BR"/>
+            </a:p>
+          </p:txBody>
+        </p:sp>
+        <p:sp>
+          <p:nvSpPr>
+            <p:cNvPr id="21" name="CaixaDeTexto 20">
+              <a:extLst>
+                <a:ext uri="{FF2B5EF4-FFF2-40B4-BE49-F238E27FC236}">
+                  <a16:creationId xmlns:a16="http://schemas.microsoft.com/office/drawing/2014/main" id="{E6075A92-1AC6-4719-91DA-DF52310AB919}"/>
+                </a:ext>
+              </a:extLst>
+            </p:cNvPr>
+            <p:cNvSpPr txBox="1"/>
+            <p:nvPr/>
+          </p:nvSpPr>
+          <p:spPr>
+            <a:xfrm>
+              <a:off x="4746214" y="327518"/>
+              <a:ext cx="2978701" cy="446276"/>
+            </a:xfrm>
+            <a:prstGeom prst="rect">
+              <a:avLst/>
+            </a:prstGeom>
+            <a:noFill/>
+          </p:spPr>
+          <p:txBody>
+            <a:bodyPr wrap="none" rtlCol="0">
+              <a:spAutoFit/>
+            </a:bodyPr>
+            <a:lstStyle/>
+            <a:p>
+              <a:r>
+                <a:rPr lang="pt-BR" sz="2300" dirty="0">
+                  <a:solidFill>
+                    <a:schemeClr val="bg1">
+                      <a:alpha val="66000"/>
+                    </a:schemeClr>
+                  </a:solidFill>
+                </a:rPr>
+                <a:t>Search for something</a:t>
+              </a:r>
+            </a:p>
+          </p:txBody>
+        </p:sp>
+        <p:pic>
+          <p:nvPicPr>
+            <p:cNvPr id="1032" name="Picture 8" descr="Download Lupa - Search Icon White .png PNG Image with No Background -  PNGkey.com">
+              <a:extLst>
+                <a:ext uri="{FF2B5EF4-FFF2-40B4-BE49-F238E27FC236}">
+                  <a16:creationId xmlns:a16="http://schemas.microsoft.com/office/drawing/2014/main" id="{9F87B8EA-6353-40B5-8A03-52ED3C6A925C}"/>
+                </a:ext>
+              </a:extLst>
+            </p:cNvPr>
+            <p:cNvPicPr>
+              <a:picLocks noChangeAspect="1" noChangeArrowheads="1"/>
+            </p:cNvPicPr>
+            <p:nvPr/>
+          </p:nvPicPr>
+          <p:blipFill>
+            <a:blip r:embed="rId9">
+              <a:extLst>
+                <a:ext uri="{28A0092B-C50C-407E-A947-70E740481C1C}">
+                  <a14:useLocalDpi xmlns:a14="http://schemas.microsoft.com/office/drawing/2010/main" val="0"/>
+                </a:ext>
+              </a:extLst>
+            </a:blip>
+            <a:srcRect/>
+            <a:stretch>
+              <a:fillRect/>
+            </a:stretch>
+          </p:blipFill>
+          <p:spPr bwMode="auto">
+            <a:xfrm>
+              <a:off x="8530566" y="422629"/>
+              <a:ext cx="252165" cy="252165"/>
+            </a:xfrm>
+            <a:prstGeom prst="rect">
+              <a:avLst/>
+            </a:prstGeom>
+            <a:noFill/>
+            <a:extLst>
+              <a:ext uri="{909E8E84-426E-40DD-AFC4-6F175D3DCCD1}">
+                <a14:hiddenFill xmlns:a14="http://schemas.microsoft.com/office/drawing/2010/main">
+                  <a:solidFill>
+                    <a:srgbClr val="FFFFFF"/>
+                  </a:solidFill>
+                </a14:hiddenFill>
+              </a:ext>
+            </a:extLst>
+          </p:spPr>
+        </p:pic>
+      </p:grpSp>
     </p:spTree>
     <p:extLst>
       <p:ext uri="{BB962C8B-B14F-4D97-AF65-F5344CB8AC3E}">
         <p14:creationId xmlns:p14="http://schemas.microsoft.com/office/powerpoint/2010/main" val="686138661"/>
+      </p:ext>
+    </p:extLst>
+  </p:cSld>
+  <p:clrMapOvr>
+    <a:masterClrMapping/>
+  </p:clrMapOvr>
+</p:sld>
+</file>
+
+<file path=ppt/slides/slide6.xml><?xml version="1.0" encoding="utf-8"?>
+<p:sld xmlns:a="http://schemas.openxmlformats.org/drawingml/2006/main" xmlns:r="http://schemas.openxmlformats.org/officeDocument/2006/relationships" xmlns:p="http://schemas.openxmlformats.org/presentationml/2006/main">
+  <p:cSld>
+    <p:spTree>
+      <p:nvGrpSpPr>
+        <p:cNvPr id="1" name=""/>
+        <p:cNvGrpSpPr/>
+        <p:nvPr/>
+      </p:nvGrpSpPr>
+      <p:grpSpPr>
+        <a:xfrm>
+          <a:off x="0" y="0"/>
+          <a:ext cx="0" cy="0"/>
+          <a:chOff x="0" y="0"/>
+          <a:chExt cx="0" cy="0"/>
+        </a:xfrm>
+      </p:grpSpPr>
+      <p:sp>
+        <p:nvSpPr>
+          <p:cNvPr id="2" name="AutoShape 2" descr="https://wallpaper.dog/large/10875588.jpg">
+            <a:extLst>
+              <a:ext uri="{FF2B5EF4-FFF2-40B4-BE49-F238E27FC236}">
+                <a16:creationId xmlns:a16="http://schemas.microsoft.com/office/drawing/2014/main" id="{25E5D546-E6FC-4036-8315-A93CD9B59729}"/>
+              </a:ext>
+            </a:extLst>
+          </p:cNvPr>
+          <p:cNvSpPr>
+            <a:spLocks noChangeAspect="1" noChangeArrowheads="1"/>
+          </p:cNvSpPr>
+          <p:nvPr/>
+        </p:nvSpPr>
+        <p:spPr bwMode="auto">
+          <a:xfrm>
+            <a:off x="5943600" y="3276600"/>
+            <a:ext cx="304800" cy="304800"/>
+          </a:xfrm>
+          <a:prstGeom prst="rect">
+            <a:avLst/>
+          </a:prstGeom>
+          <a:noFill/>
+          <a:extLst>
+            <a:ext uri="{909E8E84-426E-40DD-AFC4-6F175D3DCCD1}">
+              <a14:hiddenFill xmlns:a14="http://schemas.microsoft.com/office/drawing/2010/main">
+                <a:solidFill>
+                  <a:srgbClr val="FFFFFF"/>
+                </a:solidFill>
+              </a14:hiddenFill>
+            </a:ext>
+          </a:extLst>
+        </p:spPr>
+        <p:txBody>
+          <a:bodyPr vert="horz" wrap="square" lIns="91440" tIns="45720" rIns="91440" bIns="45720" numCol="1" anchor="t" anchorCtr="0" compatLnSpc="1">
+            <a:prstTxWarp prst="textNoShape">
+              <a:avLst/>
+            </a:prstTxWarp>
+          </a:bodyPr>
+          <a:lstStyle/>
+          <a:p>
+            <a:endParaRPr lang="pt-BR"/>
+          </a:p>
+        </p:txBody>
+      </p:sp>
+      <p:pic>
+        <p:nvPicPr>
+          <p:cNvPr id="4" name="Imagem 3">
+            <a:extLst>
+              <a:ext uri="{FF2B5EF4-FFF2-40B4-BE49-F238E27FC236}">
+                <a16:creationId xmlns:a16="http://schemas.microsoft.com/office/drawing/2014/main" id="{648CC63A-8C19-4562-A009-5DC7760B08C1}"/>
+              </a:ext>
+            </a:extLst>
+          </p:cNvPr>
+          <p:cNvPicPr>
+            <a:picLocks noChangeAspect="1"/>
+          </p:cNvPicPr>
+          <p:nvPr/>
+        </p:nvPicPr>
+        <p:blipFill>
+          <a:blip r:embed="rId3">
+            <a:extLst>
+              <a:ext uri="{28A0092B-C50C-407E-A947-70E740481C1C}">
+                <a14:useLocalDpi xmlns:a14="http://schemas.microsoft.com/office/drawing/2010/main" val="0"/>
+              </a:ext>
+            </a:extLst>
+          </a:blip>
+          <a:stretch>
+            <a:fillRect/>
+          </a:stretch>
+        </p:blipFill>
+        <p:spPr>
+          <a:xfrm>
+            <a:off x="0" y="0"/>
+            <a:ext cx="12192000" cy="6858000"/>
+          </a:xfrm>
+          <a:prstGeom prst="rect">
+            <a:avLst/>
+          </a:prstGeom>
+          <a:ln w="57150">
+            <a:noFill/>
+          </a:ln>
+        </p:spPr>
+      </p:pic>
+      <p:pic>
+        <p:nvPicPr>
+          <p:cNvPr id="8" name="Imagem 7">
+            <a:extLst>
+              <a:ext uri="{FF2B5EF4-FFF2-40B4-BE49-F238E27FC236}">
+                <a16:creationId xmlns:a16="http://schemas.microsoft.com/office/drawing/2014/main" id="{D21346FD-6A7C-4182-A4B0-7765A0A67554}"/>
+              </a:ext>
+            </a:extLst>
+          </p:cNvPr>
+          <p:cNvPicPr>
+            <a:picLocks noChangeAspect="1"/>
+          </p:cNvPicPr>
+          <p:nvPr/>
+        </p:nvPicPr>
+        <p:blipFill>
+          <a:blip r:embed="rId4">
+            <a:extLst>
+              <a:ext uri="{28A0092B-C50C-407E-A947-70E740481C1C}">
+                <a14:useLocalDpi xmlns:a14="http://schemas.microsoft.com/office/drawing/2010/main" val="0"/>
+              </a:ext>
+            </a:extLst>
+          </a:blip>
+          <a:stretch>
+            <a:fillRect/>
+          </a:stretch>
+        </p:blipFill>
+        <p:spPr>
+          <a:xfrm>
+            <a:off x="-31164" y="63844"/>
+            <a:ext cx="1208229" cy="906172"/>
+          </a:xfrm>
+          <a:prstGeom prst="rect">
+            <a:avLst/>
+          </a:prstGeom>
+        </p:spPr>
+      </p:pic>
+      <p:pic>
+        <p:nvPicPr>
+          <p:cNvPr id="10" name="Imagem 9">
+            <a:extLst>
+              <a:ext uri="{FF2B5EF4-FFF2-40B4-BE49-F238E27FC236}">
+                <a16:creationId xmlns:a16="http://schemas.microsoft.com/office/drawing/2014/main" id="{EFE65CD3-5F21-42D4-9C5B-80989C183F7B}"/>
+              </a:ext>
+            </a:extLst>
+          </p:cNvPr>
+          <p:cNvPicPr>
+            <a:picLocks noChangeAspect="1"/>
+          </p:cNvPicPr>
+          <p:nvPr/>
+        </p:nvPicPr>
+        <p:blipFill>
+          <a:blip r:embed="rId5">
+            <a:extLst>
+              <a:ext uri="{28A0092B-C50C-407E-A947-70E740481C1C}">
+                <a14:useLocalDpi xmlns:a14="http://schemas.microsoft.com/office/drawing/2010/main" val="0"/>
+              </a:ext>
+            </a:extLst>
+          </a:blip>
+          <a:stretch>
+            <a:fillRect/>
+          </a:stretch>
+        </p:blipFill>
+        <p:spPr>
+          <a:xfrm>
+            <a:off x="11227206" y="224605"/>
+            <a:ext cx="964794" cy="513408"/>
+          </a:xfrm>
+          <a:prstGeom prst="rect">
+            <a:avLst/>
+          </a:prstGeom>
+        </p:spPr>
+      </p:pic>
+      <p:sp>
+        <p:nvSpPr>
+          <p:cNvPr id="5" name="CaixaDeTexto 4">
+            <a:extLst>
+              <a:ext uri="{FF2B5EF4-FFF2-40B4-BE49-F238E27FC236}">
+                <a16:creationId xmlns:a16="http://schemas.microsoft.com/office/drawing/2014/main" id="{1751551F-5A33-439F-A61D-4AE6B95D671D}"/>
+              </a:ext>
+            </a:extLst>
+          </p:cNvPr>
+          <p:cNvSpPr txBox="1"/>
+          <p:nvPr/>
+        </p:nvSpPr>
+        <p:spPr>
+          <a:xfrm>
+            <a:off x="450121" y="1647545"/>
+            <a:ext cx="2455227" cy="553998"/>
+          </a:xfrm>
+          <a:prstGeom prst="rect">
+            <a:avLst/>
+          </a:prstGeom>
+          <a:noFill/>
+        </p:spPr>
+        <p:txBody>
+          <a:bodyPr wrap="square" rtlCol="0">
+            <a:spAutoFit/>
+          </a:bodyPr>
+          <a:lstStyle/>
+          <a:p>
+            <a:r>
+              <a:rPr lang="pt-BR" sz="3000" b="1" dirty="0">
+                <a:solidFill>
+                  <a:schemeClr val="bg1"/>
+                </a:solidFill>
+                <a:effectLst>
+                  <a:outerShdw blurRad="393700" dist="50800" algn="ctr" rotWithShape="0">
+                    <a:srgbClr val="002060"/>
+                  </a:outerShdw>
+                </a:effectLst>
+                <a:latin typeface="Verdana" panose="020B0604030504040204" pitchFamily="34" charset="0"/>
+                <a:ea typeface="Verdana" panose="020B0604030504040204" pitchFamily="34" charset="0"/>
+                <a:cs typeface="Arial" panose="020B0604020202020204" pitchFamily="34" charset="0"/>
+              </a:rPr>
+              <a:t>MISSIONS</a:t>
+            </a:r>
+          </a:p>
+        </p:txBody>
+      </p:sp>
+      <p:grpSp>
+        <p:nvGrpSpPr>
+          <p:cNvPr id="38" name="Agrupar 37">
+            <a:extLst>
+              <a:ext uri="{FF2B5EF4-FFF2-40B4-BE49-F238E27FC236}">
+                <a16:creationId xmlns:a16="http://schemas.microsoft.com/office/drawing/2014/main" id="{49B49827-AD0D-4621-BED6-306EF071A9F2}"/>
+              </a:ext>
+            </a:extLst>
+          </p:cNvPr>
+          <p:cNvGrpSpPr/>
+          <p:nvPr/>
+        </p:nvGrpSpPr>
+        <p:grpSpPr>
+          <a:xfrm>
+            <a:off x="3621895" y="327518"/>
+            <a:ext cx="5301992" cy="446276"/>
+            <a:chOff x="3621895" y="327518"/>
+            <a:chExt cx="5301992" cy="446276"/>
+          </a:xfrm>
+        </p:grpSpPr>
+        <p:sp>
+          <p:nvSpPr>
+            <p:cNvPr id="37" name="Retângulo: Cantos Arredondados 36">
+              <a:extLst>
+                <a:ext uri="{FF2B5EF4-FFF2-40B4-BE49-F238E27FC236}">
+                  <a16:creationId xmlns:a16="http://schemas.microsoft.com/office/drawing/2014/main" id="{71E1C11F-A20A-483C-A046-396FBC7AEA87}"/>
+                </a:ext>
+              </a:extLst>
+            </p:cNvPr>
+            <p:cNvSpPr/>
+            <p:nvPr/>
+          </p:nvSpPr>
+          <p:spPr>
+            <a:xfrm>
+              <a:off x="3621895" y="343529"/>
+              <a:ext cx="5301992" cy="407963"/>
+            </a:xfrm>
+            <a:prstGeom prst="roundRect">
+              <a:avLst>
+                <a:gd name="adj" fmla="val 50000"/>
+              </a:avLst>
+            </a:prstGeom>
+            <a:solidFill>
+              <a:schemeClr val="tx1">
+                <a:alpha val="72000"/>
+              </a:schemeClr>
+            </a:solidFill>
+            <a:ln>
+              <a:solidFill>
+                <a:schemeClr val="bg1"/>
+              </a:solidFill>
+            </a:ln>
+          </p:spPr>
+          <p:style>
+            <a:lnRef idx="2">
+              <a:schemeClr val="accent1">
+                <a:shade val="50000"/>
+              </a:schemeClr>
+            </a:lnRef>
+            <a:fillRef idx="1">
+              <a:schemeClr val="accent1"/>
+            </a:fillRef>
+            <a:effectRef idx="0">
+              <a:schemeClr val="accent1"/>
+            </a:effectRef>
+            <a:fontRef idx="minor">
+              <a:schemeClr val="lt1"/>
+            </a:fontRef>
+          </p:style>
+          <p:txBody>
+            <a:bodyPr rtlCol="0" anchor="ctr"/>
+            <a:lstStyle/>
+            <a:p>
+              <a:pPr algn="ctr"/>
+              <a:endParaRPr lang="pt-BR"/>
+            </a:p>
+          </p:txBody>
+        </p:sp>
+        <p:sp>
+          <p:nvSpPr>
+            <p:cNvPr id="21" name="CaixaDeTexto 20">
+              <a:extLst>
+                <a:ext uri="{FF2B5EF4-FFF2-40B4-BE49-F238E27FC236}">
+                  <a16:creationId xmlns:a16="http://schemas.microsoft.com/office/drawing/2014/main" id="{E6075A92-1AC6-4719-91DA-DF52310AB919}"/>
+                </a:ext>
+              </a:extLst>
+            </p:cNvPr>
+            <p:cNvSpPr txBox="1"/>
+            <p:nvPr/>
+          </p:nvSpPr>
+          <p:spPr>
+            <a:xfrm>
+              <a:off x="4746214" y="327518"/>
+              <a:ext cx="2978701" cy="446276"/>
+            </a:xfrm>
+            <a:prstGeom prst="rect">
+              <a:avLst/>
+            </a:prstGeom>
+            <a:noFill/>
+          </p:spPr>
+          <p:txBody>
+            <a:bodyPr wrap="none" rtlCol="0">
+              <a:spAutoFit/>
+            </a:bodyPr>
+            <a:lstStyle/>
+            <a:p>
+              <a:r>
+                <a:rPr lang="pt-BR" sz="2300" dirty="0">
+                  <a:solidFill>
+                    <a:schemeClr val="bg1">
+                      <a:alpha val="66000"/>
+                    </a:schemeClr>
+                  </a:solidFill>
+                </a:rPr>
+                <a:t>Search for something</a:t>
+              </a:r>
+            </a:p>
+          </p:txBody>
+        </p:sp>
+        <p:pic>
+          <p:nvPicPr>
+            <p:cNvPr id="1032" name="Picture 8" descr="Download Lupa - Search Icon White .png PNG Image with No Background -  PNGkey.com">
+              <a:extLst>
+                <a:ext uri="{FF2B5EF4-FFF2-40B4-BE49-F238E27FC236}">
+                  <a16:creationId xmlns:a16="http://schemas.microsoft.com/office/drawing/2014/main" id="{9F87B8EA-6353-40B5-8A03-52ED3C6A925C}"/>
+                </a:ext>
+              </a:extLst>
+            </p:cNvPr>
+            <p:cNvPicPr>
+              <a:picLocks noChangeAspect="1" noChangeArrowheads="1"/>
+            </p:cNvPicPr>
+            <p:nvPr/>
+          </p:nvPicPr>
+          <p:blipFill>
+            <a:blip r:embed="rId6">
+              <a:extLst>
+                <a:ext uri="{28A0092B-C50C-407E-A947-70E740481C1C}">
+                  <a14:useLocalDpi xmlns:a14="http://schemas.microsoft.com/office/drawing/2010/main" val="0"/>
+                </a:ext>
+              </a:extLst>
+            </a:blip>
+            <a:srcRect/>
+            <a:stretch>
+              <a:fillRect/>
+            </a:stretch>
+          </p:blipFill>
+          <p:spPr bwMode="auto">
+            <a:xfrm>
+              <a:off x="8530566" y="422629"/>
+              <a:ext cx="252165" cy="252165"/>
+            </a:xfrm>
+            <a:prstGeom prst="rect">
+              <a:avLst/>
+            </a:prstGeom>
+            <a:noFill/>
+            <a:extLst>
+              <a:ext uri="{909E8E84-426E-40DD-AFC4-6F175D3DCCD1}">
+                <a14:hiddenFill xmlns:a14="http://schemas.microsoft.com/office/drawing/2010/main">
+                  <a:solidFill>
+                    <a:srgbClr val="FFFFFF"/>
+                  </a:solidFill>
+                </a14:hiddenFill>
+              </a:ext>
+            </a:extLst>
+          </p:spPr>
+        </p:pic>
+      </p:grpSp>
+      <p:sp>
+        <p:nvSpPr>
+          <p:cNvPr id="16" name="CaixaDeTexto 15">
+            <a:extLst>
+              <a:ext uri="{FF2B5EF4-FFF2-40B4-BE49-F238E27FC236}">
+                <a16:creationId xmlns:a16="http://schemas.microsoft.com/office/drawing/2014/main" id="{348DC5F1-FBCD-408A-9FFD-73F166F531A1}"/>
+              </a:ext>
+            </a:extLst>
+          </p:cNvPr>
+          <p:cNvSpPr txBox="1"/>
+          <p:nvPr/>
+        </p:nvSpPr>
+        <p:spPr>
+          <a:xfrm>
+            <a:off x="476476" y="2823590"/>
+            <a:ext cx="3236457" cy="630942"/>
+          </a:xfrm>
+          <a:prstGeom prst="rect">
+            <a:avLst/>
+          </a:prstGeom>
+          <a:noFill/>
+        </p:spPr>
+        <p:txBody>
+          <a:bodyPr wrap="square" rtlCol="0">
+            <a:spAutoFit/>
+          </a:bodyPr>
+          <a:lstStyle/>
+          <a:p>
+            <a:r>
+              <a:rPr lang="pt-BR" sz="3500" b="1" dirty="0">
+                <a:solidFill>
+                  <a:srgbClr val="FFFF00"/>
+                </a:solidFill>
+                <a:effectLst>
+                  <a:outerShdw blurRad="469900" dist="304800" sx="112000" sy="112000" algn="ctr" rotWithShape="0">
+                    <a:srgbClr val="002060"/>
+                  </a:outerShdw>
+                </a:effectLst>
+                <a:latin typeface="Verdana" panose="020B0604030504040204" pitchFamily="34" charset="0"/>
+                <a:ea typeface="Verdana" panose="020B0604030504040204" pitchFamily="34" charset="0"/>
+                <a:cs typeface="Arial" panose="020B0604020202020204" pitchFamily="34" charset="0"/>
+              </a:rPr>
+              <a:t>GALLERIES</a:t>
+            </a:r>
+          </a:p>
+        </p:txBody>
+      </p:sp>
+      <p:sp>
+        <p:nvSpPr>
+          <p:cNvPr id="18" name="CaixaDeTexto 17">
+            <a:extLst>
+              <a:ext uri="{FF2B5EF4-FFF2-40B4-BE49-F238E27FC236}">
+                <a16:creationId xmlns:a16="http://schemas.microsoft.com/office/drawing/2014/main" id="{78C50A8C-48A4-4AE8-9D9F-45E31165AF13}"/>
+              </a:ext>
+            </a:extLst>
+          </p:cNvPr>
+          <p:cNvSpPr txBox="1"/>
+          <p:nvPr/>
+        </p:nvSpPr>
+        <p:spPr>
+          <a:xfrm>
+            <a:off x="520034" y="3994425"/>
+            <a:ext cx="3520925" cy="553998"/>
+          </a:xfrm>
+          <a:prstGeom prst="rect">
+            <a:avLst/>
+          </a:prstGeom>
+          <a:noFill/>
+        </p:spPr>
+        <p:txBody>
+          <a:bodyPr wrap="square" rtlCol="0">
+            <a:spAutoFit/>
+          </a:bodyPr>
+          <a:lstStyle/>
+          <a:p>
+            <a:r>
+              <a:rPr lang="pt-BR" sz="3000" b="1" dirty="0">
+                <a:solidFill>
+                  <a:schemeClr val="bg1"/>
+                </a:solidFill>
+                <a:effectLst>
+                  <a:outerShdw blurRad="393700" dist="50800" algn="ctr" rotWithShape="0">
+                    <a:srgbClr val="002060"/>
+                  </a:outerShdw>
+                </a:effectLst>
+                <a:latin typeface="Verdana" panose="020B0604030504040204" pitchFamily="34" charset="0"/>
+                <a:ea typeface="Verdana" panose="020B0604030504040204" pitchFamily="34" charset="0"/>
+                <a:cs typeface="Arial" panose="020B0604020202020204" pitchFamily="34" charset="0"/>
+              </a:rPr>
+              <a:t>HISTORY</a:t>
+            </a:r>
+          </a:p>
+        </p:txBody>
+      </p:sp>
+      <p:sp>
+        <p:nvSpPr>
+          <p:cNvPr id="19" name="CaixaDeTexto 18">
+            <a:extLst>
+              <a:ext uri="{FF2B5EF4-FFF2-40B4-BE49-F238E27FC236}">
+                <a16:creationId xmlns:a16="http://schemas.microsoft.com/office/drawing/2014/main" id="{0B1CADA3-A8B2-4552-8307-54ED6DB0EE83}"/>
+              </a:ext>
+            </a:extLst>
+          </p:cNvPr>
+          <p:cNvSpPr txBox="1"/>
+          <p:nvPr/>
+        </p:nvSpPr>
+        <p:spPr>
+          <a:xfrm>
+            <a:off x="520034" y="5149406"/>
+            <a:ext cx="2953398" cy="553998"/>
+          </a:xfrm>
+          <a:prstGeom prst="rect">
+            <a:avLst/>
+          </a:prstGeom>
+          <a:noFill/>
+        </p:spPr>
+        <p:txBody>
+          <a:bodyPr wrap="square" rtlCol="0">
+            <a:spAutoFit/>
+          </a:bodyPr>
+          <a:lstStyle/>
+          <a:p>
+            <a:r>
+              <a:rPr lang="pt-BR" sz="3000" b="1" dirty="0">
+                <a:solidFill>
+                  <a:schemeClr val="bg1"/>
+                </a:solidFill>
+                <a:effectLst>
+                  <a:outerShdw blurRad="393700" dist="50800" algn="ctr" rotWithShape="0">
+                    <a:srgbClr val="002060"/>
+                  </a:outerShdw>
+                </a:effectLst>
+                <a:latin typeface="Verdana" panose="020B0604030504040204" pitchFamily="34" charset="0"/>
+                <a:ea typeface="Verdana" panose="020B0604030504040204" pitchFamily="34" charset="0"/>
+                <a:cs typeface="Arial" panose="020B0604020202020204" pitchFamily="34" charset="0"/>
+              </a:rPr>
+              <a:t>ALL TOPICS</a:t>
+            </a:r>
+          </a:p>
+        </p:txBody>
+      </p:sp>
+      <p:pic>
+        <p:nvPicPr>
+          <p:cNvPr id="23" name="Picture 2" descr="Peggy Whitson">
+            <a:extLst>
+              <a:ext uri="{FF2B5EF4-FFF2-40B4-BE49-F238E27FC236}">
+                <a16:creationId xmlns:a16="http://schemas.microsoft.com/office/drawing/2014/main" id="{B29BBCE1-9A7F-4020-88B4-FFE33891E65D}"/>
+              </a:ext>
+            </a:extLst>
+          </p:cNvPr>
+          <p:cNvPicPr>
+            <a:picLocks noChangeAspect="1" noChangeArrowheads="1"/>
+          </p:cNvPicPr>
+          <p:nvPr/>
+        </p:nvPicPr>
+        <p:blipFill>
+          <a:blip r:embed="rId7">
+            <a:extLst>
+              <a:ext uri="{28A0092B-C50C-407E-A947-70E740481C1C}">
+                <a14:useLocalDpi xmlns:a14="http://schemas.microsoft.com/office/drawing/2010/main" val="0"/>
+              </a:ext>
+            </a:extLst>
+          </a:blip>
+          <a:srcRect/>
+          <a:stretch>
+            <a:fillRect/>
+          </a:stretch>
+        </p:blipFill>
+        <p:spPr bwMode="auto">
+          <a:xfrm>
+            <a:off x="4603372" y="1924544"/>
+            <a:ext cx="5322520" cy="3543234"/>
+          </a:xfrm>
+          <a:prstGeom prst="flowChartAlternateProcess">
+            <a:avLst/>
+          </a:prstGeom>
+          <a:noFill/>
+          <a:effectLst>
+            <a:outerShdw dist="114300" dir="2700000" algn="tl" rotWithShape="0">
+              <a:prstClr val="black"/>
+            </a:outerShdw>
+          </a:effectLst>
+          <a:extLst>
+            <a:ext uri="{909E8E84-426E-40DD-AFC4-6F175D3DCCD1}">
+              <a14:hiddenFill xmlns:a14="http://schemas.microsoft.com/office/drawing/2010/main">
+                <a:solidFill>
+                  <a:srgbClr val="FFFFFF"/>
+                </a:solidFill>
+              </a14:hiddenFill>
+            </a:ext>
+          </a:extLst>
+        </p:spPr>
+      </p:pic>
+      <p:pic>
+        <p:nvPicPr>
+          <p:cNvPr id="7" name="Imagem 6">
+            <a:extLst>
+              <a:ext uri="{FF2B5EF4-FFF2-40B4-BE49-F238E27FC236}">
+                <a16:creationId xmlns:a16="http://schemas.microsoft.com/office/drawing/2014/main" id="{701B0327-8150-4EDF-9DA0-27CB78B41222}"/>
+              </a:ext>
+            </a:extLst>
+          </p:cNvPr>
+          <p:cNvPicPr>
+            <a:picLocks noChangeAspect="1"/>
+          </p:cNvPicPr>
+          <p:nvPr/>
+        </p:nvPicPr>
+        <p:blipFill>
+          <a:blip r:embed="rId8">
+            <a:extLst>
+              <a:ext uri="{28A0092B-C50C-407E-A947-70E740481C1C}">
+                <a14:useLocalDpi xmlns:a14="http://schemas.microsoft.com/office/drawing/2010/main" val="0"/>
+              </a:ext>
+            </a:extLst>
+          </a:blip>
+          <a:stretch>
+            <a:fillRect/>
+          </a:stretch>
+        </p:blipFill>
+        <p:spPr>
+          <a:xfrm>
+            <a:off x="1759620" y="3124082"/>
+            <a:ext cx="388156" cy="478424"/>
+          </a:xfrm>
+          <a:prstGeom prst="rect">
+            <a:avLst/>
+          </a:prstGeom>
+        </p:spPr>
+      </p:pic>
+    </p:spTree>
+    <p:extLst>
+      <p:ext uri="{BB962C8B-B14F-4D97-AF65-F5344CB8AC3E}">
+        <p14:creationId xmlns:p14="http://schemas.microsoft.com/office/powerpoint/2010/main" val="4194094277"/>
       </p:ext>
     </p:extLst>
   </p:cSld>
@@ -6476,4 +8214,299 @@
     </a:ext>
   </a:extLst>
 </a:theme>
+</file>
+
+<file path=ppt/theme/theme2.xml><?xml version="1.0" encoding="utf-8"?>
+<a:theme xmlns:a="http://schemas.openxmlformats.org/drawingml/2006/main" name="Tema do Office">
+  <a:themeElements>
+    <a:clrScheme name="Office">
+      <a:dk1>
+        <a:sysClr val="windowText" lastClr="000000"/>
+      </a:dk1>
+      <a:lt1>
+        <a:sysClr val="window" lastClr="FFFFFF"/>
+      </a:lt1>
+      <a:dk2>
+        <a:srgbClr val="44546A"/>
+      </a:dk2>
+      <a:lt2>
+        <a:srgbClr val="E7E6E6"/>
+      </a:lt2>
+      <a:accent1>
+        <a:srgbClr val="4472C4"/>
+      </a:accent1>
+      <a:accent2>
+        <a:srgbClr val="ED7D31"/>
+      </a:accent2>
+      <a:accent3>
+        <a:srgbClr val="A5A5A5"/>
+      </a:accent3>
+      <a:accent4>
+        <a:srgbClr val="FFC000"/>
+      </a:accent4>
+      <a:accent5>
+        <a:srgbClr val="5B9BD5"/>
+      </a:accent5>
+      <a:accent6>
+        <a:srgbClr val="70AD47"/>
+      </a:accent6>
+      <a:hlink>
+        <a:srgbClr val="0563C1"/>
+      </a:hlink>
+      <a:folHlink>
+        <a:srgbClr val="954F72"/>
+      </a:folHlink>
+    </a:clrScheme>
+    <a:fontScheme name="Office">
+      <a:majorFont>
+        <a:latin typeface="Calibri Light" panose="020F0302020204030204"/>
+        <a:ea typeface=""/>
+        <a:cs typeface=""/>
+        <a:font script="Jpan" typeface="游ゴシック Light"/>
+        <a:font script="Hang" typeface="맑은 고딕"/>
+        <a:font script="Hans" typeface="等线 Light"/>
+        <a:font script="Hant" typeface="新細明體"/>
+        <a:font script="Arab" typeface="Times New Roman"/>
+        <a:font script="Hebr" typeface="Times New Roman"/>
+        <a:font script="Thai" typeface="Angsana New"/>
+        <a:font script="Ethi" typeface="Nyala"/>
+        <a:font script="Beng" typeface="Vrinda"/>
+        <a:font script="Gujr" typeface="Shruti"/>
+        <a:font script="Khmr" typeface="MoolBoran"/>
+        <a:font script="Knda" typeface="Tunga"/>
+        <a:font script="Guru" typeface="Raavi"/>
+        <a:font script="Cans" typeface="Euphemia"/>
+        <a:font script="Cher" typeface="Plantagenet Cherokee"/>
+        <a:font script="Yiii" typeface="Microsoft Yi Baiti"/>
+        <a:font script="Tibt" typeface="Microsoft Himalaya"/>
+        <a:font script="Thaa" typeface="MV Boli"/>
+        <a:font script="Deva" typeface="Mangal"/>
+        <a:font script="Telu" typeface="Gautami"/>
+        <a:font script="Taml" typeface="Latha"/>
+        <a:font script="Syrc" typeface="Estrangelo Edessa"/>
+        <a:font script="Orya" typeface="Kalinga"/>
+        <a:font script="Mlym" typeface="Kartika"/>
+        <a:font script="Laoo" typeface="DokChampa"/>
+        <a:font script="Sinh" typeface="Iskoola Pota"/>
+        <a:font script="Mong" typeface="Mongolian Baiti"/>
+        <a:font script="Viet" typeface="Times New Roman"/>
+        <a:font script="Uigh" typeface="Microsoft Uighur"/>
+        <a:font script="Geor" typeface="Sylfaen"/>
+        <a:font script="Armn" typeface="Arial"/>
+        <a:font script="Bugi" typeface="Leelawadee UI"/>
+        <a:font script="Bopo" typeface="Microsoft JhengHei"/>
+        <a:font script="Java" typeface="Javanese Text"/>
+        <a:font script="Lisu" typeface="Segoe UI"/>
+        <a:font script="Mymr" typeface="Myanmar Text"/>
+        <a:font script="Nkoo" typeface="Ebrima"/>
+        <a:font script="Olck" typeface="Nirmala UI"/>
+        <a:font script="Osma" typeface="Ebrima"/>
+        <a:font script="Phag" typeface="Phagspa"/>
+        <a:font script="Syrn" typeface="Estrangelo Edessa"/>
+        <a:font script="Syrj" typeface="Estrangelo Edessa"/>
+        <a:font script="Syre" typeface="Estrangelo Edessa"/>
+        <a:font script="Sora" typeface="Nirmala UI"/>
+        <a:font script="Tale" typeface="Microsoft Tai Le"/>
+        <a:font script="Talu" typeface="Microsoft New Tai Lue"/>
+        <a:font script="Tfng" typeface="Ebrima"/>
+      </a:majorFont>
+      <a:minorFont>
+        <a:latin typeface="Calibri" panose="020F0502020204030204"/>
+        <a:ea typeface=""/>
+        <a:cs typeface=""/>
+        <a:font script="Jpan" typeface="游ゴシック"/>
+        <a:font script="Hang" typeface="맑은 고딕"/>
+        <a:font script="Hans" typeface="等线"/>
+        <a:font script="Hant" typeface="新細明體"/>
+        <a:font script="Arab" typeface="Arial"/>
+        <a:font script="Hebr" typeface="Arial"/>
+        <a:font script="Thai" typeface="Cordia New"/>
+        <a:font script="Ethi" typeface="Nyala"/>
+        <a:font script="Beng" typeface="Vrinda"/>
+        <a:font script="Gujr" typeface="Shruti"/>
+        <a:font script="Khmr" typeface="DaunPenh"/>
+        <a:font script="Knda" typeface="Tunga"/>
+        <a:font script="Guru" typeface="Raavi"/>
+        <a:font script="Cans" typeface="Euphemia"/>
+        <a:font script="Cher" typeface="Plantagenet Cherokee"/>
+        <a:font script="Yiii" typeface="Microsoft Yi Baiti"/>
+        <a:font script="Tibt" typeface="Microsoft Himalaya"/>
+        <a:font script="Thaa" typeface="MV Boli"/>
+        <a:font script="Deva" typeface="Mangal"/>
+        <a:font script="Telu" typeface="Gautami"/>
+        <a:font script="Taml" typeface="Latha"/>
+        <a:font script="Syrc" typeface="Estrangelo Edessa"/>
+        <a:font script="Orya" typeface="Kalinga"/>
+        <a:font script="Mlym" typeface="Kartika"/>
+        <a:font script="Laoo" typeface="DokChampa"/>
+        <a:font script="Sinh" typeface="Iskoola Pota"/>
+        <a:font script="Mong" typeface="Mongolian Baiti"/>
+        <a:font script="Viet" typeface="Arial"/>
+        <a:font script="Uigh" typeface="Microsoft Uighur"/>
+        <a:font script="Geor" typeface="Sylfaen"/>
+        <a:font script="Armn" typeface="Arial"/>
+        <a:font script="Bugi" typeface="Leelawadee UI"/>
+        <a:font script="Bopo" typeface="Microsoft JhengHei"/>
+        <a:font script="Java" typeface="Javanese Text"/>
+        <a:font script="Lisu" typeface="Segoe UI"/>
+        <a:font script="Mymr" typeface="Myanmar Text"/>
+        <a:font script="Nkoo" typeface="Ebrima"/>
+        <a:font script="Olck" typeface="Nirmala UI"/>
+        <a:font script="Osma" typeface="Ebrima"/>
+        <a:font script="Phag" typeface="Phagspa"/>
+        <a:font script="Syrn" typeface="Estrangelo Edessa"/>
+        <a:font script="Syrj" typeface="Estrangelo Edessa"/>
+        <a:font script="Syre" typeface="Estrangelo Edessa"/>
+        <a:font script="Sora" typeface="Nirmala UI"/>
+        <a:font script="Tale" typeface="Microsoft Tai Le"/>
+        <a:font script="Talu" typeface="Microsoft New Tai Lue"/>
+        <a:font script="Tfng" typeface="Ebrima"/>
+      </a:minorFont>
+    </a:fontScheme>
+    <a:fmtScheme name="Office">
+      <a:fillStyleLst>
+        <a:solidFill>
+          <a:schemeClr val="phClr"/>
+        </a:solidFill>
+        <a:gradFill rotWithShape="1">
+          <a:gsLst>
+            <a:gs pos="0">
+              <a:schemeClr val="phClr">
+                <a:lumMod val="110000"/>
+                <a:satMod val="105000"/>
+                <a:tint val="67000"/>
+              </a:schemeClr>
+            </a:gs>
+            <a:gs pos="50000">
+              <a:schemeClr val="phClr">
+                <a:lumMod val="105000"/>
+                <a:satMod val="103000"/>
+                <a:tint val="73000"/>
+              </a:schemeClr>
+            </a:gs>
+            <a:gs pos="100000">
+              <a:schemeClr val="phClr">
+                <a:lumMod val="105000"/>
+                <a:satMod val="109000"/>
+                <a:tint val="81000"/>
+              </a:schemeClr>
+            </a:gs>
+          </a:gsLst>
+          <a:lin ang="5400000" scaled="0"/>
+        </a:gradFill>
+        <a:gradFill rotWithShape="1">
+          <a:gsLst>
+            <a:gs pos="0">
+              <a:schemeClr val="phClr">
+                <a:satMod val="103000"/>
+                <a:lumMod val="102000"/>
+                <a:tint val="94000"/>
+              </a:schemeClr>
+            </a:gs>
+            <a:gs pos="50000">
+              <a:schemeClr val="phClr">
+                <a:satMod val="110000"/>
+                <a:lumMod val="100000"/>
+                <a:shade val="100000"/>
+              </a:schemeClr>
+            </a:gs>
+            <a:gs pos="100000">
+              <a:schemeClr val="phClr">
+                <a:lumMod val="99000"/>
+                <a:satMod val="120000"/>
+                <a:shade val="78000"/>
+              </a:schemeClr>
+            </a:gs>
+          </a:gsLst>
+          <a:lin ang="5400000" scaled="0"/>
+        </a:gradFill>
+      </a:fillStyleLst>
+      <a:lnStyleLst>
+        <a:ln w="6350" cap="flat" cmpd="sng" algn="ctr">
+          <a:solidFill>
+            <a:schemeClr val="phClr"/>
+          </a:solidFill>
+          <a:prstDash val="solid"/>
+          <a:miter lim="800000"/>
+        </a:ln>
+        <a:ln w="12700" cap="flat" cmpd="sng" algn="ctr">
+          <a:solidFill>
+            <a:schemeClr val="phClr"/>
+          </a:solidFill>
+          <a:prstDash val="solid"/>
+          <a:miter lim="800000"/>
+        </a:ln>
+        <a:ln w="19050" cap="flat" cmpd="sng" algn="ctr">
+          <a:solidFill>
+            <a:schemeClr val="phClr"/>
+          </a:solidFill>
+          <a:prstDash val="solid"/>
+          <a:miter lim="800000"/>
+        </a:ln>
+      </a:lnStyleLst>
+      <a:effectStyleLst>
+        <a:effectStyle>
+          <a:effectLst/>
+        </a:effectStyle>
+        <a:effectStyle>
+          <a:effectLst/>
+        </a:effectStyle>
+        <a:effectStyle>
+          <a:effectLst>
+            <a:outerShdw blurRad="57150" dist="19050" dir="5400000" algn="ctr" rotWithShape="0">
+              <a:srgbClr val="000000">
+                <a:alpha val="63000"/>
+              </a:srgbClr>
+            </a:outerShdw>
+          </a:effectLst>
+        </a:effectStyle>
+      </a:effectStyleLst>
+      <a:bgFillStyleLst>
+        <a:solidFill>
+          <a:schemeClr val="phClr"/>
+        </a:solidFill>
+        <a:solidFill>
+          <a:schemeClr val="phClr">
+            <a:tint val="95000"/>
+            <a:satMod val="170000"/>
+          </a:schemeClr>
+        </a:solidFill>
+        <a:gradFill rotWithShape="1">
+          <a:gsLst>
+            <a:gs pos="0">
+              <a:schemeClr val="phClr">
+                <a:tint val="93000"/>
+                <a:satMod val="150000"/>
+                <a:shade val="98000"/>
+                <a:lumMod val="102000"/>
+              </a:schemeClr>
+            </a:gs>
+            <a:gs pos="50000">
+              <a:schemeClr val="phClr">
+                <a:tint val="98000"/>
+                <a:satMod val="130000"/>
+                <a:shade val="90000"/>
+                <a:lumMod val="103000"/>
+              </a:schemeClr>
+            </a:gs>
+            <a:gs pos="100000">
+              <a:schemeClr val="phClr">
+                <a:shade val="63000"/>
+                <a:satMod val="120000"/>
+              </a:schemeClr>
+            </a:gs>
+          </a:gsLst>
+          <a:lin ang="5400000" scaled="0"/>
+        </a:gradFill>
+      </a:bgFillStyleLst>
+    </a:fmtScheme>
+  </a:themeElements>
+  <a:objectDefaults/>
+  <a:extraClrSchemeLst/>
+  <a:extLst>
+    <a:ext uri="{05A4C25C-085E-4340-85A3-A5531E510DB2}">
+      <thm15:themeFamily xmlns:thm15="http://schemas.microsoft.com/office/thememl/2012/main" name="Office Theme" id="{62F939B6-93AF-4DB8-9C6B-D6C7DFDC589F}" vid="{4A3C46E8-61CC-4603-A589-7422A47A8E4A}"/>
+    </a:ext>
+  </a:extLst>
+</a:theme>
 </file>